--- a/Conceptual/OrbiterMotionController.pptx
+++ b/Conceptual/OrbiterMotionController.pptx
@@ -288,7 +288,7 @@
           <a:p>
             <a:fld id="{EA59AD7A-8DBE-4D3D-8093-300C99F4DE5B}" type="datetimeFigureOut">
               <a:rPr lang="fr-CA" smtClean="0"/>
-              <a:t>2014-10-25</a:t>
+              <a:t>2014-11-17</a:t>
             </a:fld>
             <a:endParaRPr lang="fr-CA"/>
           </a:p>
@@ -458,7 +458,7 @@
           <a:p>
             <a:fld id="{EA59AD7A-8DBE-4D3D-8093-300C99F4DE5B}" type="datetimeFigureOut">
               <a:rPr lang="fr-CA" smtClean="0"/>
-              <a:t>2014-10-25</a:t>
+              <a:t>2014-11-17</a:t>
             </a:fld>
             <a:endParaRPr lang="fr-CA"/>
           </a:p>
@@ -638,7 +638,7 @@
           <a:p>
             <a:fld id="{EA59AD7A-8DBE-4D3D-8093-300C99F4DE5B}" type="datetimeFigureOut">
               <a:rPr lang="fr-CA" smtClean="0"/>
-              <a:t>2014-10-25</a:t>
+              <a:t>2014-11-17</a:t>
             </a:fld>
             <a:endParaRPr lang="fr-CA"/>
           </a:p>
@@ -808,7 +808,7 @@
           <a:p>
             <a:fld id="{EA59AD7A-8DBE-4D3D-8093-300C99F4DE5B}" type="datetimeFigureOut">
               <a:rPr lang="fr-CA" smtClean="0"/>
-              <a:t>2014-10-25</a:t>
+              <a:t>2014-11-17</a:t>
             </a:fld>
             <a:endParaRPr lang="fr-CA"/>
           </a:p>
@@ -1054,7 +1054,7 @@
           <a:p>
             <a:fld id="{EA59AD7A-8DBE-4D3D-8093-300C99F4DE5B}" type="datetimeFigureOut">
               <a:rPr lang="fr-CA" smtClean="0"/>
-              <a:t>2014-10-25</a:t>
+              <a:t>2014-11-17</a:t>
             </a:fld>
             <a:endParaRPr lang="fr-CA"/>
           </a:p>
@@ -1342,7 +1342,7 @@
           <a:p>
             <a:fld id="{EA59AD7A-8DBE-4D3D-8093-300C99F4DE5B}" type="datetimeFigureOut">
               <a:rPr lang="fr-CA" smtClean="0"/>
-              <a:t>2014-10-25</a:t>
+              <a:t>2014-11-17</a:t>
             </a:fld>
             <a:endParaRPr lang="fr-CA"/>
           </a:p>
@@ -1764,7 +1764,7 @@
           <a:p>
             <a:fld id="{EA59AD7A-8DBE-4D3D-8093-300C99F4DE5B}" type="datetimeFigureOut">
               <a:rPr lang="fr-CA" smtClean="0"/>
-              <a:t>2014-10-25</a:t>
+              <a:t>2014-11-17</a:t>
             </a:fld>
             <a:endParaRPr lang="fr-CA"/>
           </a:p>
@@ -1882,7 +1882,7 @@
           <a:p>
             <a:fld id="{EA59AD7A-8DBE-4D3D-8093-300C99F4DE5B}" type="datetimeFigureOut">
               <a:rPr lang="fr-CA" smtClean="0"/>
-              <a:t>2014-10-25</a:t>
+              <a:t>2014-11-17</a:t>
             </a:fld>
             <a:endParaRPr lang="fr-CA"/>
           </a:p>
@@ -1977,7 +1977,7 @@
           <a:p>
             <a:fld id="{EA59AD7A-8DBE-4D3D-8093-300C99F4DE5B}" type="datetimeFigureOut">
               <a:rPr lang="fr-CA" smtClean="0"/>
-              <a:t>2014-10-25</a:t>
+              <a:t>2014-11-17</a:t>
             </a:fld>
             <a:endParaRPr lang="fr-CA"/>
           </a:p>
@@ -2254,7 +2254,7 @@
           <a:p>
             <a:fld id="{EA59AD7A-8DBE-4D3D-8093-300C99F4DE5B}" type="datetimeFigureOut">
               <a:rPr lang="fr-CA" smtClean="0"/>
-              <a:t>2014-10-25</a:t>
+              <a:t>2014-11-17</a:t>
             </a:fld>
             <a:endParaRPr lang="fr-CA"/>
           </a:p>
@@ -2507,7 +2507,7 @@
           <a:p>
             <a:fld id="{EA59AD7A-8DBE-4D3D-8093-300C99F4DE5B}" type="datetimeFigureOut">
               <a:rPr lang="fr-CA" smtClean="0"/>
-              <a:t>2014-10-25</a:t>
+              <a:t>2014-11-17</a:t>
             </a:fld>
             <a:endParaRPr lang="fr-CA"/>
           </a:p>
@@ -2720,7 +2720,7 @@
           <a:p>
             <a:fld id="{EA59AD7A-8DBE-4D3D-8093-300C99F4DE5B}" type="datetimeFigureOut">
               <a:rPr lang="fr-CA" smtClean="0"/>
-              <a:t>2014-10-25</a:t>
+              <a:t>2014-11-17</a:t>
             </a:fld>
             <a:endParaRPr lang="fr-CA"/>
           </a:p>
@@ -3116,7 +3116,7 @@
         </p:blipFill>
         <p:spPr>
           <a:xfrm>
-            <a:off x="2297475" y="4493176"/>
+            <a:off x="3275235" y="3966637"/>
             <a:ext cx="1266825" cy="1623684"/>
           </a:xfrm>
           <a:prstGeom prst="rect">
@@ -3296,7 +3296,7 @@
         </p:blipFill>
         <p:spPr>
           <a:xfrm>
-            <a:off x="4294779" y="4142244"/>
+            <a:off x="5313944" y="3832606"/>
             <a:ext cx="1398878" cy="1891746"/>
           </a:xfrm>
           <a:prstGeom prst="rect">
@@ -3453,9 +3453,9 @@
           <p:nvPr/>
         </p:nvCxnSpPr>
         <p:spPr>
-          <a:xfrm rot="10800000" flipV="1">
-            <a:off x="3564301" y="5088116"/>
-            <a:ext cx="730479" cy="216901"/>
+          <a:xfrm rot="10800000">
+            <a:off x="4542060" y="4778479"/>
+            <a:ext cx="771884" cy="12700"/>
           </a:xfrm>
           <a:prstGeom prst="bentConnector3">
             <a:avLst/>
@@ -3490,8 +3490,8 @@
         </p:nvCxnSpPr>
         <p:spPr>
           <a:xfrm rot="5400000" flipH="1" flipV="1">
-            <a:off x="3088638" y="3331628"/>
-            <a:ext cx="1003799" cy="1319298"/>
+            <a:off x="3840787" y="3557238"/>
+            <a:ext cx="477260" cy="341538"/>
           </a:xfrm>
           <a:prstGeom prst="bentConnector3">
             <a:avLst/>
@@ -3554,7 +3554,7 @@
         </p:nvSpPr>
         <p:spPr>
           <a:xfrm>
-            <a:off x="2559925" y="5938513"/>
+            <a:off x="3495822" y="5440755"/>
             <a:ext cx="935897" cy="369332"/>
           </a:xfrm>
           <a:prstGeom prst="rect">
@@ -3584,8 +3584,8 @@
         </p:nvSpPr>
         <p:spPr>
           <a:xfrm>
-            <a:off x="4705517" y="6007776"/>
-            <a:ext cx="577402" cy="369332"/>
+            <a:off x="5731614" y="5807588"/>
+            <a:ext cx="2098267" cy="369332"/>
           </a:xfrm>
           <a:prstGeom prst="rect">
             <a:avLst/>
@@ -3600,7 +3600,15 @@
           <a:p>
             <a:r>
               <a:rPr lang="fr-CA" dirty="0" smtClean="0"/>
-              <a:t>RHC</a:t>
+              <a:t>RHC (pitch/roll/</a:t>
+            </a:r>
+            <a:r>
+              <a:rPr lang="fr-CA" dirty="0" err="1" smtClean="0"/>
+              <a:t>yaw</a:t>
+            </a:r>
+            <a:r>
+              <a:rPr lang="fr-CA" dirty="0" smtClean="0"/>
+              <a:t>)</a:t>
             </a:r>
             <a:endParaRPr lang="fr-CA" dirty="0"/>
           </a:p>
@@ -3614,7 +3622,7 @@
         </p:nvSpPr>
         <p:spPr>
           <a:xfrm>
-            <a:off x="3257151" y="3693575"/>
+            <a:off x="4274875" y="3543341"/>
             <a:ext cx="562975" cy="369332"/>
           </a:xfrm>
           <a:prstGeom prst="rect">
@@ -3704,7 +3712,7 @@
         </p:nvSpPr>
         <p:spPr>
           <a:xfrm>
-            <a:off x="4262671" y="2161041"/>
+            <a:off x="3289246" y="2145614"/>
             <a:ext cx="1040670" cy="369332"/>
           </a:xfrm>
           <a:prstGeom prst="rect">
@@ -3764,8 +3772,8 @@
         </p:nvSpPr>
         <p:spPr>
           <a:xfrm>
-            <a:off x="4728245" y="1017722"/>
-            <a:ext cx="623889" cy="369332"/>
+            <a:off x="4698802" y="841128"/>
+            <a:ext cx="2261196" cy="369332"/>
           </a:xfrm>
           <a:prstGeom prst="rect">
             <a:avLst/>
@@ -3780,7 +3788,15 @@
           <a:p>
             <a:r>
               <a:rPr lang="fr-CA" dirty="0" smtClean="0"/>
-              <a:t>MCP</a:t>
+              <a:t>MCP/mobile </a:t>
+            </a:r>
+            <a:r>
+              <a:rPr lang="fr-CA" dirty="0" err="1" smtClean="0"/>
+              <a:t>WiFi</a:t>
+            </a:r>
+            <a:r>
+              <a:rPr lang="fr-CA" dirty="0" smtClean="0"/>
+              <a:t> Hub</a:t>
             </a:r>
             <a:endParaRPr lang="fr-CA" dirty="0"/>
           </a:p>
@@ -3890,6 +3906,208 @@
           </a:p>
         </p:txBody>
       </p:sp>
+      <p:pic>
+        <p:nvPicPr>
+          <p:cNvPr id="1026" name="Picture 2" descr="http://www.tagpilotsupply.com/ProductImagesNew/A-F/chusvrudder.jpg"/>
+          <p:cNvPicPr>
+            <a:picLocks noChangeAspect="1" noChangeArrowheads="1"/>
+          </p:cNvPicPr>
+          <p:nvPr/>
+        </p:nvPicPr>
+        <p:blipFill>
+          <a:blip r:embed="rId10">
+            <a:extLst>
+              <a:ext uri="{28A0092B-C50C-407E-A947-70E740481C1C}">
+                <a14:useLocalDpi xmlns:a14="http://schemas.microsoft.com/office/drawing/2010/main" val="0"/>
+              </a:ext>
+            </a:extLst>
+          </a:blip>
+          <a:srcRect/>
+          <a:stretch>
+            <a:fillRect/>
+          </a:stretch>
+        </p:blipFill>
+        <p:spPr bwMode="auto">
+          <a:xfrm>
+            <a:off x="1014720" y="4317245"/>
+            <a:ext cx="1813168" cy="1492842"/>
+          </a:xfrm>
+          <a:prstGeom prst="rect">
+            <a:avLst/>
+          </a:prstGeom>
+          <a:noFill/>
+          <a:extLst>
+            <a:ext uri="{909E8E84-426E-40DD-AFC4-6F175D3DCCD1}">
+              <a14:hiddenFill xmlns:a14="http://schemas.microsoft.com/office/drawing/2010/main">
+                <a:solidFill>
+                  <a:srgbClr val="FFFFFF"/>
+                </a:solidFill>
+              </a14:hiddenFill>
+            </a:ext>
+          </a:extLst>
+        </p:spPr>
+      </p:pic>
+      <p:cxnSp>
+        <p:nvCxnSpPr>
+          <p:cNvPr id="20" name="Connecteur en angle 19"/>
+          <p:cNvCxnSpPr>
+            <a:stCxn id="1026" idx="0"/>
+            <a:endCxn id="5" idx="2"/>
+          </p:cNvCxnSpPr>
+          <p:nvPr/>
+        </p:nvCxnSpPr>
+        <p:spPr>
+          <a:xfrm rot="5400000" flipH="1" flipV="1">
+            <a:off x="2215332" y="3163601"/>
+            <a:ext cx="859617" cy="1447672"/>
+          </a:xfrm>
+          <a:prstGeom prst="bentConnector3">
+            <a:avLst/>
+          </a:prstGeom>
+          <a:ln>
+            <a:tailEnd type="arrow"/>
+          </a:ln>
+        </p:spPr>
+        <p:style>
+          <a:lnRef idx="1">
+            <a:schemeClr val="accent1"/>
+          </a:lnRef>
+          <a:fillRef idx="0">
+            <a:schemeClr val="accent1"/>
+          </a:fillRef>
+          <a:effectRef idx="0">
+            <a:schemeClr val="accent1"/>
+          </a:effectRef>
+          <a:fontRef idx="minor">
+            <a:schemeClr val="tx1"/>
+          </a:fontRef>
+        </p:style>
+      </p:cxnSp>
+      <p:sp>
+        <p:nvSpPr>
+          <p:cNvPr id="45" name="ZoneTexte 44"/>
+          <p:cNvSpPr txBox="1"/>
+          <p:nvPr/>
+        </p:nvSpPr>
+        <p:spPr>
+          <a:xfrm>
+            <a:off x="1109142" y="5724352"/>
+            <a:ext cx="2104807" cy="369332"/>
+          </a:xfrm>
+          <a:prstGeom prst="rect">
+            <a:avLst/>
+          </a:prstGeom>
+          <a:noFill/>
+        </p:spPr>
+        <p:txBody>
+          <a:bodyPr wrap="none" rtlCol="0">
+            <a:spAutoFit/>
+          </a:bodyPr>
+          <a:lstStyle/>
+          <a:p>
+            <a:r>
+              <a:rPr lang="fr-CA" dirty="0" err="1" smtClean="0"/>
+              <a:t>Rudder</a:t>
+            </a:r>
+            <a:r>
+              <a:rPr lang="fr-CA" dirty="0" smtClean="0"/>
+              <a:t> </a:t>
+            </a:r>
+            <a:r>
+              <a:rPr lang="fr-CA" dirty="0" err="1" smtClean="0"/>
+              <a:t>pedals</a:t>
+            </a:r>
+            <a:r>
+              <a:rPr lang="fr-CA" dirty="0" smtClean="0"/>
+              <a:t> (</a:t>
+            </a:r>
+            <a:r>
+              <a:rPr lang="fr-CA" dirty="0" err="1" smtClean="0"/>
+              <a:t>yaw</a:t>
+            </a:r>
+            <a:r>
+              <a:rPr lang="fr-CA" dirty="0" smtClean="0"/>
+              <a:t>)</a:t>
+            </a:r>
+            <a:endParaRPr lang="fr-CA" dirty="0"/>
+          </a:p>
+        </p:txBody>
+      </p:sp>
+      <p:sp>
+        <p:nvSpPr>
+          <p:cNvPr id="46" name="ZoneTexte 45"/>
+          <p:cNvSpPr txBox="1"/>
+          <p:nvPr/>
+        </p:nvSpPr>
+        <p:spPr>
+          <a:xfrm>
+            <a:off x="4329916" y="2123006"/>
+            <a:ext cx="856325" cy="369332"/>
+          </a:xfrm>
+          <a:prstGeom prst="rect">
+            <a:avLst/>
+          </a:prstGeom>
+          <a:noFill/>
+        </p:spPr>
+        <p:txBody>
+          <a:bodyPr wrap="none" rtlCol="0">
+            <a:spAutoFit/>
+          </a:bodyPr>
+          <a:lstStyle/>
+          <a:p>
+            <a:r>
+              <a:rPr lang="fr-CA" dirty="0"/>
+              <a:t>o</a:t>
+            </a:r>
+            <a:r>
+              <a:rPr lang="fr-CA" dirty="0" smtClean="0"/>
+              <a:t>r </a:t>
+            </a:r>
+            <a:r>
+              <a:rPr lang="fr-CA" dirty="0" err="1" smtClean="0"/>
+              <a:t>WiFi</a:t>
+            </a:r>
+            <a:endParaRPr lang="fr-CA" dirty="0"/>
+          </a:p>
+        </p:txBody>
+      </p:sp>
+      <p:cxnSp>
+        <p:nvCxnSpPr>
+          <p:cNvPr id="47" name="Connecteur en angle 46"/>
+          <p:cNvCxnSpPr>
+            <a:stCxn id="7" idx="3"/>
+            <a:endCxn id="4" idx="0"/>
+          </p:cNvCxnSpPr>
+          <p:nvPr/>
+        </p:nvCxnSpPr>
+        <p:spPr>
+          <a:xfrm>
+            <a:off x="4688195" y="1202388"/>
+            <a:ext cx="435387" cy="1476691"/>
+          </a:xfrm>
+          <a:prstGeom prst="bentConnector2">
+            <a:avLst/>
+          </a:prstGeom>
+          <a:ln>
+            <a:headEnd type="arrow"/>
+            <a:tailEnd type="arrow"/>
+          </a:ln>
+        </p:spPr>
+        <p:style>
+          <a:lnRef idx="1">
+            <a:schemeClr val="accent1"/>
+          </a:lnRef>
+          <a:fillRef idx="0">
+            <a:schemeClr val="accent1"/>
+          </a:fillRef>
+          <a:effectRef idx="0">
+            <a:schemeClr val="accent1"/>
+          </a:effectRef>
+          <a:fontRef idx="minor">
+            <a:schemeClr val="tx1"/>
+          </a:fontRef>
+        </p:style>
+      </p:cxnSp>
     </p:spTree>
     <p:extLst>
       <p:ext uri="{BB962C8B-B14F-4D97-AF65-F5344CB8AC3E}">
